--- a/figs/system/twoP.pptx
+++ b/figs/system/twoP.pptx
@@ -243,7 +243,7 @@
           <a:p>
             <a:fld id="{9201DB55-D6CA-4BE0-AAA9-51E2AAD5C5FB}" type="datetimeFigureOut">
               <a:rPr lang="en-US" smtClean="0"/>
-              <a:t>2/13/2025</a:t>
+              <a:t>2/23/2025</a:t>
             </a:fld>
             <a:endParaRPr lang="en-US"/>
           </a:p>
@@ -413,7 +413,7 @@
           <a:p>
             <a:fld id="{9201DB55-D6CA-4BE0-AAA9-51E2AAD5C5FB}" type="datetimeFigureOut">
               <a:rPr lang="en-US" smtClean="0"/>
-              <a:t>2/13/2025</a:t>
+              <a:t>2/23/2025</a:t>
             </a:fld>
             <a:endParaRPr lang="en-US"/>
           </a:p>
@@ -593,7 +593,7 @@
           <a:p>
             <a:fld id="{9201DB55-D6CA-4BE0-AAA9-51E2AAD5C5FB}" type="datetimeFigureOut">
               <a:rPr lang="en-US" smtClean="0"/>
-              <a:t>2/13/2025</a:t>
+              <a:t>2/23/2025</a:t>
             </a:fld>
             <a:endParaRPr lang="en-US"/>
           </a:p>
@@ -763,7 +763,7 @@
           <a:p>
             <a:fld id="{9201DB55-D6CA-4BE0-AAA9-51E2AAD5C5FB}" type="datetimeFigureOut">
               <a:rPr lang="en-US" smtClean="0"/>
-              <a:t>2/13/2025</a:t>
+              <a:t>2/23/2025</a:t>
             </a:fld>
             <a:endParaRPr lang="en-US"/>
           </a:p>
@@ -1009,7 +1009,7 @@
           <a:p>
             <a:fld id="{9201DB55-D6CA-4BE0-AAA9-51E2AAD5C5FB}" type="datetimeFigureOut">
               <a:rPr lang="en-US" smtClean="0"/>
-              <a:t>2/13/2025</a:t>
+              <a:t>2/23/2025</a:t>
             </a:fld>
             <a:endParaRPr lang="en-US"/>
           </a:p>
@@ -1241,7 +1241,7 @@
           <a:p>
             <a:fld id="{9201DB55-D6CA-4BE0-AAA9-51E2AAD5C5FB}" type="datetimeFigureOut">
               <a:rPr lang="en-US" smtClean="0"/>
-              <a:t>2/13/2025</a:t>
+              <a:t>2/23/2025</a:t>
             </a:fld>
             <a:endParaRPr lang="en-US"/>
           </a:p>
@@ -1608,7 +1608,7 @@
           <a:p>
             <a:fld id="{9201DB55-D6CA-4BE0-AAA9-51E2AAD5C5FB}" type="datetimeFigureOut">
               <a:rPr lang="en-US" smtClean="0"/>
-              <a:t>2/13/2025</a:t>
+              <a:t>2/23/2025</a:t>
             </a:fld>
             <a:endParaRPr lang="en-US"/>
           </a:p>
@@ -1726,7 +1726,7 @@
           <a:p>
             <a:fld id="{9201DB55-D6CA-4BE0-AAA9-51E2AAD5C5FB}" type="datetimeFigureOut">
               <a:rPr lang="en-US" smtClean="0"/>
-              <a:t>2/13/2025</a:t>
+              <a:t>2/23/2025</a:t>
             </a:fld>
             <a:endParaRPr lang="en-US"/>
           </a:p>
@@ -1821,7 +1821,7 @@
           <a:p>
             <a:fld id="{9201DB55-D6CA-4BE0-AAA9-51E2AAD5C5FB}" type="datetimeFigureOut">
               <a:rPr lang="en-US" smtClean="0"/>
-              <a:t>2/13/2025</a:t>
+              <a:t>2/23/2025</a:t>
             </a:fld>
             <a:endParaRPr lang="en-US"/>
           </a:p>
@@ -2098,7 +2098,7 @@
           <a:p>
             <a:fld id="{9201DB55-D6CA-4BE0-AAA9-51E2AAD5C5FB}" type="datetimeFigureOut">
               <a:rPr lang="en-US" smtClean="0"/>
-              <a:t>2/13/2025</a:t>
+              <a:t>2/23/2025</a:t>
             </a:fld>
             <a:endParaRPr lang="en-US"/>
           </a:p>
@@ -2355,7 +2355,7 @@
           <a:p>
             <a:fld id="{9201DB55-D6CA-4BE0-AAA9-51E2AAD5C5FB}" type="datetimeFigureOut">
               <a:rPr lang="en-US" smtClean="0"/>
-              <a:t>2/13/2025</a:t>
+              <a:t>2/23/2025</a:t>
             </a:fld>
             <a:endParaRPr lang="en-US"/>
           </a:p>
@@ -2568,7 +2568,7 @@
           <a:p>
             <a:fld id="{9201DB55-D6CA-4BE0-AAA9-51E2AAD5C5FB}" type="datetimeFigureOut">
               <a:rPr lang="en-US" smtClean="0"/>
-              <a:t>2/13/2025</a:t>
+              <a:t>2/23/2025</a:t>
             </a:fld>
             <a:endParaRPr lang="en-US"/>
           </a:p>
@@ -7732,7 +7732,7 @@
         </p:nvSpPr>
         <p:spPr>
           <a:xfrm>
-            <a:off x="5170189" y="4591062"/>
+            <a:off x="5117619" y="4364786"/>
             <a:ext cx="1462000" cy="707886"/>
           </a:xfrm>
           <a:prstGeom prst="rect">
@@ -7755,7 +7755,7 @@
                 <a:latin typeface="Times New Roman" panose="02020603050405020304" pitchFamily="18" charset="0"/>
                 <a:cs typeface="Times New Roman" panose="02020603050405020304" pitchFamily="18" charset="0"/>
               </a:rPr>
-              <a:t>Incoming laser</a:t>
+              <a:t>Incoming laser beam</a:t>
             </a:r>
           </a:p>
         </p:txBody>
@@ -15869,6 +15869,229 @@
           </p:sp>
         </p:grpSp>
       </p:grpSp>
+      <p:cxnSp>
+        <p:nvCxnSpPr>
+          <p:cNvPr id="3" name="Straight Connector 2">
+            <a:extLst>
+              <a:ext uri="{FF2B5EF4-FFF2-40B4-BE49-F238E27FC236}">
+                <a16:creationId xmlns:a16="http://schemas.microsoft.com/office/drawing/2014/main" id="{00DFABFC-3D7D-273F-C66B-B16143E51113}"/>
+              </a:ext>
+            </a:extLst>
+          </p:cNvPr>
+          <p:cNvCxnSpPr>
+            <a:cxnSpLocks/>
+          </p:cNvCxnSpPr>
+          <p:nvPr/>
+        </p:nvCxnSpPr>
+        <p:spPr>
+          <a:xfrm>
+            <a:off x="6518917" y="4439939"/>
+            <a:ext cx="685800" cy="0"/>
+          </a:xfrm>
+          <a:prstGeom prst="line">
+            <a:avLst/>
+          </a:prstGeom>
+          <a:ln>
+            <a:solidFill>
+              <a:srgbClr val="00B050"/>
+            </a:solidFill>
+          </a:ln>
+        </p:spPr>
+        <p:style>
+          <a:lnRef idx="2">
+            <a:schemeClr val="accent1"/>
+          </a:lnRef>
+          <a:fillRef idx="0">
+            <a:schemeClr val="accent1"/>
+          </a:fillRef>
+          <a:effectRef idx="1">
+            <a:schemeClr val="accent1"/>
+          </a:effectRef>
+          <a:fontRef idx="minor">
+            <a:schemeClr val="tx1"/>
+          </a:fontRef>
+        </p:style>
+      </p:cxnSp>
+      <p:cxnSp>
+        <p:nvCxnSpPr>
+          <p:cNvPr id="4" name="Straight Connector 3">
+            <a:extLst>
+              <a:ext uri="{FF2B5EF4-FFF2-40B4-BE49-F238E27FC236}">
+                <a16:creationId xmlns:a16="http://schemas.microsoft.com/office/drawing/2014/main" id="{A48A7EE4-5815-7B6F-F87C-02B359B7CC4F}"/>
+              </a:ext>
+            </a:extLst>
+          </p:cNvPr>
+          <p:cNvCxnSpPr>
+            <a:cxnSpLocks/>
+          </p:cNvCxnSpPr>
+          <p:nvPr/>
+        </p:nvCxnSpPr>
+        <p:spPr>
+          <a:xfrm>
+            <a:off x="6518917" y="4743260"/>
+            <a:ext cx="685800" cy="0"/>
+          </a:xfrm>
+          <a:prstGeom prst="line">
+            <a:avLst/>
+          </a:prstGeom>
+          <a:ln>
+            <a:solidFill>
+              <a:srgbClr val="00B050"/>
+            </a:solidFill>
+            <a:prstDash val="dash"/>
+          </a:ln>
+        </p:spPr>
+        <p:style>
+          <a:lnRef idx="2">
+            <a:schemeClr val="accent1"/>
+          </a:lnRef>
+          <a:fillRef idx="0">
+            <a:schemeClr val="accent1"/>
+          </a:fillRef>
+          <a:effectRef idx="1">
+            <a:schemeClr val="accent1"/>
+          </a:effectRef>
+          <a:fontRef idx="minor">
+            <a:schemeClr val="tx1"/>
+          </a:fontRef>
+        </p:style>
+      </p:cxnSp>
+      <p:cxnSp>
+        <p:nvCxnSpPr>
+          <p:cNvPr id="5" name="Straight Connector 4">
+            <a:extLst>
+              <a:ext uri="{FF2B5EF4-FFF2-40B4-BE49-F238E27FC236}">
+                <a16:creationId xmlns:a16="http://schemas.microsoft.com/office/drawing/2014/main" id="{4A2530C0-3B6C-4404-396D-3EEDD4E3DE16}"/>
+              </a:ext>
+            </a:extLst>
+          </p:cNvPr>
+          <p:cNvCxnSpPr>
+            <a:cxnSpLocks/>
+          </p:cNvCxnSpPr>
+          <p:nvPr/>
+        </p:nvCxnSpPr>
+        <p:spPr>
+          <a:xfrm>
+            <a:off x="6518917" y="5046580"/>
+            <a:ext cx="685800" cy="0"/>
+          </a:xfrm>
+          <a:prstGeom prst="line">
+            <a:avLst/>
+          </a:prstGeom>
+          <a:ln>
+            <a:solidFill>
+              <a:srgbClr val="00B050"/>
+            </a:solidFill>
+          </a:ln>
+        </p:spPr>
+        <p:style>
+          <a:lnRef idx="2">
+            <a:schemeClr val="accent1"/>
+          </a:lnRef>
+          <a:fillRef idx="0">
+            <a:schemeClr val="accent1"/>
+          </a:fillRef>
+          <a:effectRef idx="1">
+            <a:schemeClr val="accent1"/>
+          </a:effectRef>
+          <a:fontRef idx="minor">
+            <a:schemeClr val="tx1"/>
+          </a:fontRef>
+        </p:style>
+      </p:cxnSp>
+      <p:sp>
+        <p:nvSpPr>
+          <p:cNvPr id="9" name="Rectangle: Rounded Corners 8">
+            <a:extLst>
+              <a:ext uri="{FF2B5EF4-FFF2-40B4-BE49-F238E27FC236}">
+                <a16:creationId xmlns:a16="http://schemas.microsoft.com/office/drawing/2014/main" id="{BD8482D7-D542-A913-C105-78B11076658F}"/>
+              </a:ext>
+            </a:extLst>
+          </p:cNvPr>
+          <p:cNvSpPr/>
+          <p:nvPr/>
+        </p:nvSpPr>
+        <p:spPr>
+          <a:xfrm>
+            <a:off x="6439404" y="5146230"/>
+            <a:ext cx="865577" cy="258538"/>
+          </a:xfrm>
+          <a:prstGeom prst="roundRect">
+            <a:avLst/>
+          </a:prstGeom>
+          <a:solidFill>
+            <a:schemeClr val="tx1"/>
+          </a:solidFill>
+          <a:ln>
+            <a:solidFill>
+              <a:schemeClr val="tx1"/>
+            </a:solidFill>
+          </a:ln>
+        </p:spPr>
+        <p:style>
+          <a:lnRef idx="2">
+            <a:schemeClr val="accent1">
+              <a:shade val="15000"/>
+            </a:schemeClr>
+          </a:lnRef>
+          <a:fillRef idx="1">
+            <a:schemeClr val="accent1"/>
+          </a:fillRef>
+          <a:effectRef idx="0">
+            <a:schemeClr val="accent1"/>
+          </a:effectRef>
+          <a:fontRef idx="minor">
+            <a:schemeClr val="lt1"/>
+          </a:fontRef>
+        </p:style>
+        <p:txBody>
+          <a:bodyPr rtlCol="0" anchor="ctr"/>
+          <a:lstStyle/>
+          <a:p>
+            <a:pPr algn="ctr"/>
+            <a:endParaRPr lang="en-US"/>
+          </a:p>
+        </p:txBody>
+      </p:sp>
+      <p:sp>
+        <p:nvSpPr>
+          <p:cNvPr id="10" name="TextBox 9">
+            <a:extLst>
+              <a:ext uri="{FF2B5EF4-FFF2-40B4-BE49-F238E27FC236}">
+                <a16:creationId xmlns:a16="http://schemas.microsoft.com/office/drawing/2014/main" id="{F2F0B177-E758-37CC-0C00-81DF371702B2}"/>
+              </a:ext>
+            </a:extLst>
+          </p:cNvPr>
+          <p:cNvSpPr txBox="1"/>
+          <p:nvPr/>
+        </p:nvSpPr>
+        <p:spPr>
+          <a:xfrm>
+            <a:off x="5302098" y="5062100"/>
+            <a:ext cx="1462000" cy="400110"/>
+          </a:xfrm>
+          <a:prstGeom prst="rect">
+            <a:avLst/>
+          </a:prstGeom>
+          <a:noFill/>
+        </p:spPr>
+        <p:txBody>
+          <a:bodyPr wrap="square" rtlCol="0">
+            <a:spAutoFit/>
+          </a:bodyPr>
+          <a:lstStyle/>
+          <a:p>
+            <a:pPr algn="ctr"/>
+            <a:r>
+              <a:rPr lang="en-US" sz="2000" b="1" dirty="0">
+                <a:latin typeface="Times New Roman" panose="02020603050405020304" pitchFamily="18" charset="0"/>
+                <a:cs typeface="Times New Roman" panose="02020603050405020304" pitchFamily="18" charset="0"/>
+              </a:rPr>
+              <a:t>laser</a:t>
+            </a:r>
+          </a:p>
+        </p:txBody>
+      </p:sp>
     </p:spTree>
     <p:extLst>
       <p:ext uri="{BB962C8B-B14F-4D97-AF65-F5344CB8AC3E}">
